--- a/automatikusteszteles_Marci2.pptx
+++ b/automatikusteszteles_Marci2.pptx
@@ -510,7 +510,7 @@
           <a:p>
             <a:fld id="{D320DF98-73A7-40A6-8A84-2EB5B4F2C4CC}" type="datetimeFigureOut">
               <a:rPr lang="hu-HU" smtClean="0"/>
-              <a:t>2017. 12. 05.</a:t>
+              <a:t>2017. 12. 06.</a:t>
             </a:fld>
             <a:endParaRPr lang="hu-HU"/>
           </a:p>
@@ -676,7 +676,7 @@
             <a:fld id="{B9130191-0BE1-0142-AFC1-0297AE024A0E}" type="datetimeFigureOut">
               <a:rPr lang="en-US" smtClean="0"/>
               <a:pPr/>
-              <a:t>12/5/2017</a:t>
+              <a:t>12/6/2017</a:t>
             </a:fld>
             <a:endParaRPr lang="en-US"/>
           </a:p>
@@ -9417,9 +9417,9 @@
         <p:grpSpPr>
           <a:xfrm>
             <a:off x="1349732" y="4349081"/>
-            <a:ext cx="7130342" cy="1436915"/>
+            <a:ext cx="7130343" cy="1436915"/>
             <a:chOff x="663926" y="4158342"/>
-            <a:chExt cx="7130342" cy="1436915"/>
+            <a:chExt cx="7130343" cy="1436915"/>
           </a:xfrm>
         </p:grpSpPr>
         <p:sp>
@@ -9485,13 +9485,18 @@
             <a:p>
               <a:pPr algn="ctr"/>
               <a:r>
-                <a:rPr lang="hu-HU" sz="2400" dirty="0">
+                <a:rPr lang="hu-HU" sz="2400">
                   <a:solidFill>
                     <a:schemeClr val="tx2"/>
                   </a:solidFill>
                 </a:rPr>
-                <a:t>Modell</a:t>
+                <a:t>Tesztelendő modul</a:t>
               </a:r>
+              <a:endParaRPr lang="hu-HU" sz="2400" dirty="0">
+                <a:solidFill>
+                  <a:schemeClr val="tx2"/>
+                </a:solidFill>
+              </a:endParaRPr>
             </a:p>
           </p:txBody>
         </p:sp>
@@ -9509,10 +9514,10 @@
           </p:nvGrpSpPr>
           <p:grpSpPr>
             <a:xfrm>
-              <a:off x="4603199" y="4662196"/>
-              <a:ext cx="3191069" cy="734008"/>
+              <a:off x="4603201" y="4662196"/>
+              <a:ext cx="3191068" cy="734008"/>
               <a:chOff x="4161453" y="4348065"/>
-              <a:chExt cx="1744047" cy="734008"/>
+              <a:chExt cx="1744046" cy="734008"/>
             </a:xfrm>
           </p:grpSpPr>
           <p:sp>
@@ -9669,7 +9674,7 @@
             </p:nvSpPr>
             <p:spPr>
               <a:xfrm>
-                <a:off x="4466253" y="4652865"/>
+                <a:off x="4466252" y="4652865"/>
                 <a:ext cx="1439247" cy="429208"/>
               </a:xfrm>
               <a:prstGeom prst="rect">
@@ -9723,7 +9728,7 @@
                       <a:schemeClr val="tx2"/>
                     </a:solidFill>
                   </a:rPr>
-                  <a:t>Függőségek</a:t>
+                  <a:t>Egyéb modulok</a:t>
                 </a:r>
               </a:p>
             </p:txBody>
@@ -9774,87 +9779,189 @@
           </p:style>
         </p:cxnSp>
       </p:grpSp>
-      <p:sp>
-        <p:nvSpPr>
-          <p:cNvPr id="23" name="Téglalap 22">
+      <p:grpSp>
+        <p:nvGrpSpPr>
+          <p:cNvPr id="5" name="Csoportba foglalás 4">
             <a:extLst>
               <a:ext uri="{FF2B5EF4-FFF2-40B4-BE49-F238E27FC236}">
-                <a16:creationId xmlns:a16="http://schemas.microsoft.com/office/drawing/2014/main" id="{963B4010-63AA-4D28-B7C1-34646C07B5EA}"/>
+                <a16:creationId xmlns:a16="http://schemas.microsoft.com/office/drawing/2014/main" id="{46A9B5F6-B11B-4F7E-9C3C-5A8616ED7C8C}"/>
               </a:ext>
             </a:extLst>
           </p:cNvPr>
-          <p:cNvSpPr/>
+          <p:cNvGrpSpPr/>
           <p:nvPr/>
-        </p:nvSpPr>
-        <p:spPr>
+        </p:nvGrpSpPr>
+        <p:grpSpPr>
           <a:xfrm>
-            <a:off x="5289005" y="4814596"/>
-            <a:ext cx="3209146" cy="810686"/>
+            <a:off x="5289005" y="4676192"/>
+            <a:ext cx="3361546" cy="963086"/>
+            <a:chOff x="5289005" y="4814596"/>
+            <a:chExt cx="3361546" cy="963086"/>
           </a:xfrm>
-          <a:prstGeom prst="rect">
-            <a:avLst/>
-          </a:prstGeom>
-          <a:solidFill>
-            <a:schemeClr val="bg2"/>
-          </a:solidFill>
-          <a:ln w="38100">
+        </p:grpSpPr>
+        <p:sp>
+          <p:nvSpPr>
+            <p:cNvPr id="23" name="Téglalap 22">
+              <a:extLst>
+                <a:ext uri="{FF2B5EF4-FFF2-40B4-BE49-F238E27FC236}">
+                  <a16:creationId xmlns:a16="http://schemas.microsoft.com/office/drawing/2014/main" id="{963B4010-63AA-4D28-B7C1-34646C07B5EA}"/>
+                </a:ext>
+              </a:extLst>
+            </p:cNvPr>
+            <p:cNvSpPr/>
+            <p:nvPr/>
+          </p:nvSpPr>
+          <p:spPr>
+            <a:xfrm>
+              <a:off x="5289005" y="4814596"/>
+              <a:ext cx="3209146" cy="810686"/>
+            </a:xfrm>
+            <a:prstGeom prst="rect">
+              <a:avLst/>
+            </a:prstGeom>
             <a:solidFill>
-              <a:schemeClr val="accent1"/>
+              <a:schemeClr val="bg2"/>
             </a:solidFill>
-          </a:ln>
-          <a:effectLst>
-            <a:outerShdw blurRad="50800" dist="38100" dir="5400000" algn="t" rotWithShape="0">
-              <a:prstClr val="black">
-                <a:alpha val="40000"/>
-              </a:prstClr>
-            </a:outerShdw>
-          </a:effectLst>
-        </p:spPr>
-        <p:style>
-          <a:lnRef idx="2">
-            <a:schemeClr val="accent4">
-              <a:shade val="50000"/>
-            </a:schemeClr>
-          </a:lnRef>
-          <a:fillRef idx="1">
-            <a:schemeClr val="accent4"/>
-          </a:fillRef>
-          <a:effectRef idx="0">
-            <a:schemeClr val="accent4"/>
-          </a:effectRef>
-          <a:fontRef idx="minor">
-            <a:schemeClr val="lt1"/>
-          </a:fontRef>
-        </p:style>
-        <p:txBody>
-          <a:bodyPr rot="0" spcFirstLastPara="0" vertOverflow="overflow" horzOverflow="overflow" vert="horz" wrap="square" lIns="91440" tIns="45720" rIns="91440" bIns="45720" numCol="1" spcCol="0" rtlCol="0" fromWordArt="0" anchor="ctr" anchorCtr="0" forceAA="0" compatLnSpc="1">
-            <a:prstTxWarp prst="textNoShape">
+            <a:ln w="38100">
+              <a:solidFill>
+                <a:schemeClr val="accent1"/>
+              </a:solidFill>
+            </a:ln>
+            <a:effectLst>
+              <a:outerShdw blurRad="50800" dist="38100" dir="5400000" algn="t" rotWithShape="0">
+                <a:prstClr val="black">
+                  <a:alpha val="40000"/>
+                </a:prstClr>
+              </a:outerShdw>
+            </a:effectLst>
+          </p:spPr>
+          <p:style>
+            <a:lnRef idx="2">
+              <a:schemeClr val="accent4">
+                <a:shade val="50000"/>
+              </a:schemeClr>
+            </a:lnRef>
+            <a:fillRef idx="1">
+              <a:schemeClr val="accent4"/>
+            </a:fillRef>
+            <a:effectRef idx="0">
+              <a:schemeClr val="accent4"/>
+            </a:effectRef>
+            <a:fontRef idx="minor">
+              <a:schemeClr val="lt1"/>
+            </a:fontRef>
+          </p:style>
+          <p:txBody>
+            <a:bodyPr rot="0" spcFirstLastPara="0" vertOverflow="overflow" horzOverflow="overflow" vert="horz" wrap="square" lIns="91440" tIns="45720" rIns="91440" bIns="45720" numCol="1" spcCol="0" rtlCol="0" fromWordArt="0" anchor="ctr" anchorCtr="0" forceAA="0" compatLnSpc="1">
+              <a:prstTxWarp prst="textNoShape">
+                <a:avLst/>
+              </a:prstTxWarp>
+              <a:noAutofit/>
+            </a:bodyPr>
+            <a:lstStyle/>
+            <a:p>
+              <a:pPr algn="ctr"/>
+              <a:r>
+                <a:rPr lang="hu-HU" sz="2400" dirty="0" err="1">
+                  <a:solidFill>
+                    <a:schemeClr val="tx2"/>
+                  </a:solidFill>
+                </a:rPr>
+                <a:t>Mock</a:t>
+              </a:r>
+              <a:r>
+                <a:rPr lang="hu-HU" sz="2400" dirty="0">
+                  <a:solidFill>
+                    <a:schemeClr val="tx2"/>
+                  </a:solidFill>
+                </a:rPr>
+                <a:t> objektumok</a:t>
+              </a:r>
+            </a:p>
+          </p:txBody>
+        </p:sp>
+        <p:sp>
+          <p:nvSpPr>
+            <p:cNvPr id="13" name="Téglalap 12">
+              <a:extLst>
+                <a:ext uri="{FF2B5EF4-FFF2-40B4-BE49-F238E27FC236}">
+                  <a16:creationId xmlns:a16="http://schemas.microsoft.com/office/drawing/2014/main" id="{04502C05-461B-4997-A9D2-A911D1E07FA5}"/>
+                </a:ext>
+              </a:extLst>
+            </p:cNvPr>
+            <p:cNvSpPr/>
+            <p:nvPr/>
+          </p:nvSpPr>
+          <p:spPr>
+            <a:xfrm>
+              <a:off x="5441405" y="4966996"/>
+              <a:ext cx="3209146" cy="810686"/>
+            </a:xfrm>
+            <a:prstGeom prst="rect">
               <a:avLst/>
-            </a:prstTxWarp>
-            <a:noAutofit/>
-          </a:bodyPr>
-          <a:lstStyle/>
-          <a:p>
-            <a:pPr algn="ctr"/>
-            <a:r>
-              <a:rPr lang="hu-HU" sz="2400" dirty="0" err="1">
-                <a:solidFill>
-                  <a:schemeClr val="tx2"/>
-                </a:solidFill>
-              </a:rPr>
-              <a:t>Mock</a:t>
-            </a:r>
-            <a:r>
-              <a:rPr lang="hu-HU" sz="2400" dirty="0">
-                <a:solidFill>
-                  <a:schemeClr val="tx2"/>
-                </a:solidFill>
-              </a:rPr>
-              <a:t> objektumok</a:t>
-            </a:r>
-          </a:p>
-        </p:txBody>
-      </p:sp>
+            </a:prstGeom>
+            <a:solidFill>
+              <a:schemeClr val="bg2"/>
+            </a:solidFill>
+            <a:ln w="38100">
+              <a:solidFill>
+                <a:schemeClr val="accent1"/>
+              </a:solidFill>
+            </a:ln>
+            <a:effectLst>
+              <a:outerShdw blurRad="50800" dist="38100" dir="5400000" algn="t" rotWithShape="0">
+                <a:prstClr val="black">
+                  <a:alpha val="40000"/>
+                </a:prstClr>
+              </a:outerShdw>
+            </a:effectLst>
+          </p:spPr>
+          <p:style>
+            <a:lnRef idx="2">
+              <a:schemeClr val="accent4">
+                <a:shade val="50000"/>
+              </a:schemeClr>
+            </a:lnRef>
+            <a:fillRef idx="1">
+              <a:schemeClr val="accent4"/>
+            </a:fillRef>
+            <a:effectRef idx="0">
+              <a:schemeClr val="accent4"/>
+            </a:effectRef>
+            <a:fontRef idx="minor">
+              <a:schemeClr val="lt1"/>
+            </a:fontRef>
+          </p:style>
+          <p:txBody>
+            <a:bodyPr rot="0" spcFirstLastPara="0" vertOverflow="overflow" horzOverflow="overflow" vert="horz" wrap="square" lIns="91440" tIns="45720" rIns="91440" bIns="45720" numCol="1" spcCol="0" rtlCol="0" fromWordArt="0" anchor="ctr" anchorCtr="0" forceAA="0" compatLnSpc="1">
+              <a:prstTxWarp prst="textNoShape">
+                <a:avLst/>
+              </a:prstTxWarp>
+              <a:noAutofit/>
+            </a:bodyPr>
+            <a:lstStyle/>
+            <a:p>
+              <a:pPr algn="ctr"/>
+              <a:r>
+                <a:rPr lang="hu-HU" sz="2400" dirty="0" err="1">
+                  <a:solidFill>
+                    <a:schemeClr val="tx2"/>
+                  </a:solidFill>
+                </a:rPr>
+                <a:t>Mock</a:t>
+              </a:r>
+              <a:r>
+                <a:rPr lang="hu-HU" sz="2400" dirty="0">
+                  <a:solidFill>
+                    <a:schemeClr val="tx2"/>
+                  </a:solidFill>
+                </a:rPr>
+                <a:t> objektumok</a:t>
+              </a:r>
+            </a:p>
+          </p:txBody>
+        </p:sp>
+      </p:grpSp>
     </p:spTree>
     <p:extLst>
       <p:ext uri="{BB962C8B-B14F-4D97-AF65-F5344CB8AC3E}">
@@ -10089,7 +10196,7 @@
                                 </p:cTn>
                               </p:par>
                               <p:par>
-                                <p:cTn id="19" presetID="1" presetClass="entr" presetSubtype="0" fill="hold" grpId="0" nodeType="withEffect">
+                                <p:cTn id="19" presetID="1" presetClass="entr" presetSubtype="0" fill="hold" nodeType="withEffect">
                                   <p:stCondLst>
                                     <p:cond delay="0"/>
                                   </p:stCondLst>
@@ -10102,7 +10209,7 @@
                                           </p:stCondLst>
                                         </p:cTn>
                                         <p:tgtEl>
-                                          <p:spTgt spid="23"/>
+                                          <p:spTgt spid="5"/>
                                         </p:tgtEl>
                                         <p:attrNameLst>
                                           <p:attrName>style.visibility</p:attrName>
@@ -10144,7 +10251,6 @@
     </p:tnLst>
     <p:bldLst>
       <p:bldP spid="3" grpId="0" uiExpand="1" build="p"/>
-      <p:bldP spid="23" grpId="0" animBg="1"/>
     </p:bldLst>
   </p:timing>
 </p:sld>
